--- a/docs/FlowChartForASVGF.pptx
+++ b/docs/FlowChartForASVGF.pptx
@@ -9,6 +9,8 @@
     <p:sldId id="257" r:id="rId3"/>
     <p:sldId id="258" r:id="rId4"/>
     <p:sldId id="259" r:id="rId5"/>
+    <p:sldId id="260" r:id="rId6"/>
+    <p:sldId id="261" r:id="rId7"/>
   </p:sldIdLst>
   <p:sldSz cx="9144000" cy="6858000" type="screen4x3"/>
   <p:notesSz cx="6858000" cy="9144000"/>
@@ -291,7 +293,7 @@
           <a:p>
             <a:fld id="{99D62BBE-D38D-46BF-BA88-6A1B14F6F1E9}" type="datetimeFigureOut">
               <a:rPr kumimoji="1" lang="ja-JP" altLang="en-US" smtClean="0"/>
-              <a:t>2018/12/29</a:t>
+              <a:t>2019/1/4</a:t>
             </a:fld>
             <a:endParaRPr kumimoji="1" lang="ja-JP" altLang="en-US"/>
           </a:p>
@@ -493,7 +495,7 @@
           <a:p>
             <a:fld id="{99D62BBE-D38D-46BF-BA88-6A1B14F6F1E9}" type="datetimeFigureOut">
               <a:rPr kumimoji="1" lang="ja-JP" altLang="en-US" smtClean="0"/>
-              <a:t>2018/12/29</a:t>
+              <a:t>2019/1/4</a:t>
             </a:fld>
             <a:endParaRPr kumimoji="1" lang="ja-JP" altLang="en-US"/>
           </a:p>
@@ -705,7 +707,7 @@
           <a:p>
             <a:fld id="{99D62BBE-D38D-46BF-BA88-6A1B14F6F1E9}" type="datetimeFigureOut">
               <a:rPr kumimoji="1" lang="ja-JP" altLang="en-US" smtClean="0"/>
-              <a:t>2018/12/29</a:t>
+              <a:t>2019/1/4</a:t>
             </a:fld>
             <a:endParaRPr kumimoji="1" lang="ja-JP" altLang="en-US"/>
           </a:p>
@@ -907,7 +909,7 @@
           <a:p>
             <a:fld id="{99D62BBE-D38D-46BF-BA88-6A1B14F6F1E9}" type="datetimeFigureOut">
               <a:rPr kumimoji="1" lang="ja-JP" altLang="en-US" smtClean="0"/>
-              <a:t>2018/12/29</a:t>
+              <a:t>2019/1/4</a:t>
             </a:fld>
             <a:endParaRPr kumimoji="1" lang="ja-JP" altLang="en-US"/>
           </a:p>
@@ -1153,7 +1155,7 @@
           <a:p>
             <a:fld id="{99D62BBE-D38D-46BF-BA88-6A1B14F6F1E9}" type="datetimeFigureOut">
               <a:rPr kumimoji="1" lang="ja-JP" altLang="en-US" smtClean="0"/>
-              <a:t>2018/12/29</a:t>
+              <a:t>2019/1/4</a:t>
             </a:fld>
             <a:endParaRPr kumimoji="1" lang="ja-JP" altLang="en-US"/>
           </a:p>
@@ -1505,7 +1507,7 @@
           <a:p>
             <a:fld id="{99D62BBE-D38D-46BF-BA88-6A1B14F6F1E9}" type="datetimeFigureOut">
               <a:rPr kumimoji="1" lang="ja-JP" altLang="en-US" smtClean="0"/>
-              <a:t>2018/12/29</a:t>
+              <a:t>2019/1/4</a:t>
             </a:fld>
             <a:endParaRPr kumimoji="1" lang="ja-JP" altLang="en-US"/>
           </a:p>
@@ -1991,7 +1993,7 @@
           <a:p>
             <a:fld id="{99D62BBE-D38D-46BF-BA88-6A1B14F6F1E9}" type="datetimeFigureOut">
               <a:rPr kumimoji="1" lang="ja-JP" altLang="en-US" smtClean="0"/>
-              <a:t>2018/12/29</a:t>
+              <a:t>2019/1/4</a:t>
             </a:fld>
             <a:endParaRPr kumimoji="1" lang="ja-JP" altLang="en-US"/>
           </a:p>
@@ -2109,7 +2111,7 @@
           <a:p>
             <a:fld id="{99D62BBE-D38D-46BF-BA88-6A1B14F6F1E9}" type="datetimeFigureOut">
               <a:rPr kumimoji="1" lang="ja-JP" altLang="en-US" smtClean="0"/>
-              <a:t>2018/12/29</a:t>
+              <a:t>2019/1/4</a:t>
             </a:fld>
             <a:endParaRPr kumimoji="1" lang="ja-JP" altLang="en-US"/>
           </a:p>
@@ -2204,7 +2206,7 @@
           <a:p>
             <a:fld id="{99D62BBE-D38D-46BF-BA88-6A1B14F6F1E9}" type="datetimeFigureOut">
               <a:rPr kumimoji="1" lang="ja-JP" altLang="en-US" smtClean="0"/>
-              <a:t>2018/12/29</a:t>
+              <a:t>2019/1/4</a:t>
             </a:fld>
             <a:endParaRPr kumimoji="1" lang="ja-JP" altLang="en-US"/>
           </a:p>
@@ -2513,7 +2515,7 @@
           <a:p>
             <a:fld id="{99D62BBE-D38D-46BF-BA88-6A1B14F6F1E9}" type="datetimeFigureOut">
               <a:rPr kumimoji="1" lang="ja-JP" altLang="en-US" smtClean="0"/>
-              <a:t>2018/12/29</a:t>
+              <a:t>2019/1/4</a:t>
             </a:fld>
             <a:endParaRPr kumimoji="1" lang="ja-JP" altLang="en-US"/>
           </a:p>
@@ -2766,7 +2768,7 @@
           <a:p>
             <a:fld id="{99D62BBE-D38D-46BF-BA88-6A1B14F6F1E9}" type="datetimeFigureOut">
               <a:rPr kumimoji="1" lang="ja-JP" altLang="en-US" smtClean="0"/>
-              <a:t>2018/12/29</a:t>
+              <a:t>2019/1/4</a:t>
             </a:fld>
             <a:endParaRPr kumimoji="1" lang="ja-JP" altLang="en-US"/>
           </a:p>
@@ -3011,7 +3013,7 @@
           <a:p>
             <a:fld id="{99D62BBE-D38D-46BF-BA88-6A1B14F6F1E9}" type="datetimeFigureOut">
               <a:rPr kumimoji="1" lang="ja-JP" altLang="en-US" smtClean="0"/>
-              <a:t>2018/12/29</a:t>
+              <a:t>2019/1/4</a:t>
             </a:fld>
             <a:endParaRPr kumimoji="1" lang="ja-JP" altLang="en-US"/>
           </a:p>
@@ -4826,21 +4828,12 @@
               <a:rPr kumimoji="1" lang="en-US" altLang="ja-JP" dirty="0" smtClean="0"/>
               <a:t>Create AOV</a:t>
             </a:r>
-            <a:endParaRPr kumimoji="1" lang="en-US" altLang="ja-JP" dirty="0" smtClean="0"/>
           </a:p>
           <a:p>
             <a:pPr algn="ctr"/>
             <a:r>
               <a:rPr lang="en-US" altLang="ja-JP" dirty="0" smtClean="0"/>
-              <a:t>(Z</a:t>
-            </a:r>
-            <a:r>
-              <a:rPr lang="en-US" altLang="ja-JP" dirty="0" smtClean="0"/>
-              <a:t>, Normal </a:t>
-            </a:r>
-            <a:r>
-              <a:rPr lang="en-US" altLang="ja-JP" dirty="0" smtClean="0"/>
-              <a:t>Buffer)</a:t>
+              <a:t>(Z, Normal Buffer)</a:t>
             </a:r>
             <a:endParaRPr kumimoji="1" lang="ja-JP" altLang="en-US" dirty="0"/>
           </a:p>
@@ -5836,6 +5829,323 @@
     <p:extLst>
       <p:ext uri="{BB962C8B-B14F-4D97-AF65-F5344CB8AC3E}">
         <p14:creationId xmlns:p14="http://schemas.microsoft.com/office/powerpoint/2010/main" val="4024390338"/>
+      </p:ext>
+    </p:extLst>
+  </p:cSld>
+  <p:clrMapOvr>
+    <a:masterClrMapping/>
+  </p:clrMapOvr>
+</p:sld>
+</file>
+
+<file path=ppt/slides/slide5.xml><?xml version="1.0" encoding="utf-8"?>
+<p:sld xmlns:a="http://schemas.openxmlformats.org/drawingml/2006/main" xmlns:r="http://schemas.openxmlformats.org/officeDocument/2006/relationships" xmlns:p="http://schemas.openxmlformats.org/presentationml/2006/main">
+  <p:cSld>
+    <p:spTree>
+      <p:nvGrpSpPr>
+        <p:cNvPr id="1" name=""/>
+        <p:cNvGrpSpPr/>
+        <p:nvPr/>
+      </p:nvGrpSpPr>
+      <p:grpSpPr>
+        <a:xfrm>
+          <a:off x="0" y="0"/>
+          <a:ext cx="0" cy="0"/>
+          <a:chOff x="0" y="0"/>
+          <a:chExt cx="0" cy="0"/>
+        </a:xfrm>
+      </p:grpSpPr>
+      <p:sp>
+        <p:nvSpPr>
+          <p:cNvPr id="2" name="タイトル 1"/>
+          <p:cNvSpPr>
+            <a:spLocks noGrp="1"/>
+          </p:cNvSpPr>
+          <p:nvPr>
+            <p:ph type="title"/>
+          </p:nvPr>
+        </p:nvSpPr>
+        <p:spPr/>
+        <p:txBody>
+          <a:bodyPr/>
+          <a:lstStyle/>
+          <a:p>
+            <a:endParaRPr kumimoji="1" lang="ja-JP" altLang="en-US"/>
+          </a:p>
+        </p:txBody>
+      </p:sp>
+      <p:sp>
+        <p:nvSpPr>
+          <p:cNvPr id="3" name="コンテンツ プレースホルダー 2"/>
+          <p:cNvSpPr>
+            <a:spLocks noGrp="1"/>
+          </p:cNvSpPr>
+          <p:nvPr>
+            <p:ph idx="1"/>
+          </p:nvPr>
+        </p:nvSpPr>
+        <p:spPr/>
+        <p:txBody>
+          <a:bodyPr>
+            <a:normAutofit fontScale="92500" lnSpcReduction="10000"/>
+          </a:bodyPr>
+          <a:lstStyle/>
+          <a:p>
+            <a:r>
+              <a:rPr kumimoji="1" lang="en-US" altLang="ja-JP" dirty="0" smtClean="0"/>
+              <a:t>Normal, Depth</a:t>
+            </a:r>
+            <a:r>
+              <a:rPr kumimoji="1" lang="ja-JP" altLang="en-US" dirty="0" smtClean="0"/>
+              <a:t>の計算をするために</a:t>
+            </a:r>
+            <a:r>
+              <a:rPr kumimoji="1" lang="en-US" altLang="ja-JP" dirty="0" err="1" smtClean="0"/>
+              <a:t>evalHitResult</a:t>
+            </a:r>
+            <a:r>
+              <a:rPr kumimoji="1" lang="ja-JP" altLang="en-US" dirty="0" smtClean="0"/>
+              <a:t>が必要だが</a:t>
+            </a:r>
+            <a:r>
+              <a:rPr kumimoji="1" lang="en-US" altLang="ja-JP" dirty="0" smtClean="0"/>
+              <a:t>position, </a:t>
+            </a:r>
+            <a:r>
+              <a:rPr kumimoji="1" lang="en-US" altLang="ja-JP" dirty="0" err="1" smtClean="0"/>
+              <a:t>uv</a:t>
+            </a:r>
+            <a:r>
+              <a:rPr kumimoji="1" lang="ja-JP" altLang="en-US" dirty="0" smtClean="0"/>
+              <a:t>などの計算もするため無駄</a:t>
+            </a:r>
+            <a:endParaRPr kumimoji="1" lang="en-US" altLang="ja-JP" dirty="0" smtClean="0"/>
+          </a:p>
+          <a:p>
+            <a:r>
+              <a:rPr kumimoji="1" lang="en-US" altLang="ja-JP" dirty="0" smtClean="0"/>
+              <a:t>G-Buffer</a:t>
+            </a:r>
+            <a:r>
+              <a:rPr kumimoji="1" lang="ja-JP" altLang="en-US" dirty="0" smtClean="0"/>
+              <a:t>で事前に計算する手もあるが、その場合は</a:t>
+            </a:r>
+            <a:r>
+              <a:rPr kumimoji="1" lang="en-US" altLang="ja-JP" dirty="0" smtClean="0"/>
+              <a:t>bounce==0</a:t>
+            </a:r>
+            <a:r>
+              <a:rPr kumimoji="1" lang="ja-JP" altLang="en-US" dirty="0" smtClean="0"/>
+              <a:t>のときだけ</a:t>
+            </a:r>
+            <a:r>
+              <a:rPr kumimoji="1" lang="en-US" altLang="ja-JP" dirty="0" smtClean="0"/>
+              <a:t>G-Buffer</a:t>
+            </a:r>
+            <a:r>
+              <a:rPr kumimoji="1" lang="ja-JP" altLang="en-US" dirty="0" smtClean="0"/>
+              <a:t>を参照するようにするなど変更が必要</a:t>
+            </a:r>
+            <a:endParaRPr kumimoji="1" lang="en-US" altLang="ja-JP" dirty="0" smtClean="0"/>
+          </a:p>
+          <a:p>
+            <a:pPr lvl="1"/>
+            <a:r>
+              <a:rPr kumimoji="1" lang="en-US" altLang="ja-JP" dirty="0" smtClean="0"/>
+              <a:t>ASVGF</a:t>
+            </a:r>
+            <a:r>
+              <a:rPr kumimoji="1" lang="ja-JP" altLang="en-US" dirty="0" smtClean="0"/>
+              <a:t>のための変更なのに</a:t>
+            </a:r>
+            <a:r>
+              <a:rPr kumimoji="1" lang="en-US" altLang="ja-JP" dirty="0" smtClean="0"/>
+              <a:t>SVGF</a:t>
+            </a:r>
+            <a:r>
+              <a:rPr kumimoji="1" lang="ja-JP" altLang="en-US" dirty="0" smtClean="0"/>
+              <a:t>にどこまで変更を入れるのか</a:t>
+            </a:r>
+            <a:endParaRPr kumimoji="1" lang="en-US" altLang="ja-JP" dirty="0" smtClean="0"/>
+          </a:p>
+          <a:p>
+            <a:pPr lvl="1"/>
+            <a:r>
+              <a:rPr lang="ja-JP" altLang="en-US" dirty="0"/>
+              <a:t>一方</a:t>
+            </a:r>
+            <a:r>
+              <a:rPr lang="ja-JP" altLang="en-US" dirty="0" smtClean="0"/>
+              <a:t>で</a:t>
+            </a:r>
+            <a:r>
+              <a:rPr lang="en-US" altLang="ja-JP" dirty="0" smtClean="0"/>
+              <a:t>ASVGF</a:t>
+            </a:r>
+            <a:r>
+              <a:rPr lang="ja-JP" altLang="en-US" dirty="0" smtClean="0"/>
+              <a:t>を</a:t>
+            </a:r>
+            <a:r>
+              <a:rPr lang="en-US" altLang="ja-JP" dirty="0" smtClean="0"/>
+              <a:t>SVGF</a:t>
+            </a:r>
+            <a:r>
+              <a:rPr lang="ja-JP" altLang="en-US" dirty="0" smtClean="0"/>
+              <a:t>の拡張で開発したいので、</a:t>
+            </a:r>
+            <a:r>
+              <a:rPr lang="en-US" altLang="ja-JP" dirty="0" smtClean="0"/>
+              <a:t>SVGF</a:t>
+            </a:r>
+            <a:r>
+              <a:rPr lang="ja-JP" altLang="en-US" smtClean="0"/>
+              <a:t>を変更するほうがシンプルになる</a:t>
+            </a:r>
+            <a:endParaRPr kumimoji="1" lang="ja-JP" altLang="en-US" dirty="0"/>
+          </a:p>
+        </p:txBody>
+      </p:sp>
+    </p:spTree>
+    <p:extLst>
+      <p:ext uri="{BB962C8B-B14F-4D97-AF65-F5344CB8AC3E}">
+        <p14:creationId xmlns:p14="http://schemas.microsoft.com/office/powerpoint/2010/main" val="3638316293"/>
+      </p:ext>
+    </p:extLst>
+  </p:cSld>
+  <p:clrMapOvr>
+    <a:masterClrMapping/>
+  </p:clrMapOvr>
+</p:sld>
+</file>
+
+<file path=ppt/slides/slide6.xml><?xml version="1.0" encoding="utf-8"?>
+<p:sld xmlns:a="http://schemas.openxmlformats.org/drawingml/2006/main" xmlns:r="http://schemas.openxmlformats.org/officeDocument/2006/relationships" xmlns:p="http://schemas.openxmlformats.org/presentationml/2006/main">
+  <p:cSld>
+    <p:spTree>
+      <p:nvGrpSpPr>
+        <p:cNvPr id="1" name=""/>
+        <p:cNvGrpSpPr/>
+        <p:nvPr/>
+      </p:nvGrpSpPr>
+      <p:grpSpPr>
+        <a:xfrm>
+          <a:off x="0" y="0"/>
+          <a:ext cx="0" cy="0"/>
+          <a:chOff x="0" y="0"/>
+          <a:chExt cx="0" cy="0"/>
+        </a:xfrm>
+      </p:grpSpPr>
+      <p:sp>
+        <p:nvSpPr>
+          <p:cNvPr id="2" name="タイトル 1"/>
+          <p:cNvSpPr>
+            <a:spLocks noGrp="1"/>
+          </p:cNvSpPr>
+          <p:nvPr>
+            <p:ph type="title"/>
+          </p:nvPr>
+        </p:nvSpPr>
+        <p:spPr/>
+        <p:txBody>
+          <a:bodyPr/>
+          <a:lstStyle/>
+          <a:p>
+            <a:endParaRPr kumimoji="1" lang="ja-JP" altLang="en-US"/>
+          </a:p>
+        </p:txBody>
+      </p:sp>
+      <p:sp>
+        <p:nvSpPr>
+          <p:cNvPr id="3" name="コンテンツ プレースホルダー 2"/>
+          <p:cNvSpPr>
+            <a:spLocks noGrp="1"/>
+          </p:cNvSpPr>
+          <p:nvPr>
+            <p:ph idx="1"/>
+          </p:nvPr>
+        </p:nvSpPr>
+        <p:spPr/>
+        <p:txBody>
+          <a:bodyPr/>
+          <a:lstStyle/>
+          <a:p>
+            <a:r>
+              <a:rPr lang="en-US" altLang="ja-JP" dirty="0" err="1" smtClean="0"/>
+              <a:t>AlbedoColor</a:t>
+            </a:r>
+            <a:r>
+              <a:rPr lang="en-US" altLang="ja-JP" dirty="0" smtClean="0"/>
+              <a:t>(</a:t>
+            </a:r>
+            <a:r>
+              <a:rPr lang="en-US" altLang="ja-JP" dirty="0" err="1" smtClean="0"/>
+              <a:t>TextureColor</a:t>
+            </a:r>
+            <a:r>
+              <a:rPr lang="en-US" altLang="ja-JP" dirty="0" smtClean="0"/>
+              <a:t>)</a:t>
+            </a:r>
+            <a:r>
+              <a:rPr lang="ja-JP" altLang="en-US" dirty="0" smtClean="0"/>
+              <a:t>も</a:t>
+            </a:r>
+            <a:r>
+              <a:rPr lang="en-US" altLang="ja-JP" dirty="0" smtClean="0"/>
+              <a:t>AOV</a:t>
+            </a:r>
+            <a:r>
+              <a:rPr lang="ja-JP" altLang="en-US" dirty="0" smtClean="0"/>
+              <a:t>で格納するなら</a:t>
+            </a:r>
+            <a:r>
+              <a:rPr lang="en-US" altLang="ja-JP" dirty="0" smtClean="0"/>
+              <a:t>UV</a:t>
+            </a:r>
+            <a:r>
+              <a:rPr lang="ja-JP" altLang="en-US" dirty="0" smtClean="0"/>
+              <a:t>も計算が必要となる</a:t>
+            </a:r>
+            <a:endParaRPr lang="en-US" altLang="ja-JP" dirty="0" smtClean="0"/>
+          </a:p>
+          <a:p>
+            <a:pPr lvl="1"/>
+            <a:r>
+              <a:rPr kumimoji="1" lang="ja-JP" altLang="en-US" dirty="0"/>
+              <a:t>それ</a:t>
+            </a:r>
+            <a:r>
+              <a:rPr kumimoji="1" lang="ja-JP" altLang="en-US" dirty="0" smtClean="0"/>
+              <a:t>か</a:t>
+            </a:r>
+            <a:r>
+              <a:rPr lang="en-US" altLang="ja-JP" dirty="0" smtClean="0"/>
+              <a:t>UV</a:t>
+            </a:r>
+            <a:r>
+              <a:rPr lang="ja-JP" altLang="en-US" dirty="0" smtClean="0"/>
+              <a:t>のみを</a:t>
+            </a:r>
+            <a:endParaRPr lang="en-US" altLang="ja-JP" dirty="0" smtClean="0"/>
+          </a:p>
+          <a:p>
+            <a:pPr lvl="2"/>
+            <a:r>
+              <a:rPr kumimoji="1" lang="en-US" altLang="ja-JP" dirty="0" smtClean="0"/>
+              <a:t>Albedo</a:t>
+            </a:r>
+            <a:r>
+              <a:rPr kumimoji="1" lang="ja-JP" altLang="en-US" smtClean="0"/>
+              <a:t>は別処理で計算？</a:t>
+            </a:r>
+            <a:endParaRPr kumimoji="1" lang="ja-JP" altLang="en-US" dirty="0"/>
+          </a:p>
+        </p:txBody>
+      </p:sp>
+    </p:spTree>
+    <p:extLst>
+      <p:ext uri="{BB962C8B-B14F-4D97-AF65-F5344CB8AC3E}">
+        <p14:creationId xmlns:p14="http://schemas.microsoft.com/office/powerpoint/2010/main" val="311390969"/>
       </p:ext>
     </p:extLst>
   </p:cSld>
